--- a/Doku/Philipp/Showcase_AntidustA2.0_PhilippOtto.pptx
+++ b/Doku/Philipp/Showcase_AntidustA2.0_PhilippOtto.pptx
@@ -5,16 +5,17 @@
     <p:sldMasterId id="2147483850" r:id="rId1"/>
   </p:sldMasterIdLst>
   <p:notesMasterIdLst>
-    <p:notesMasterId r:id="rId6"/>
+    <p:notesMasterId r:id="rId7"/>
   </p:notesMasterIdLst>
   <p:handoutMasterIdLst>
-    <p:handoutMasterId r:id="rId7"/>
+    <p:handoutMasterId r:id="rId8"/>
   </p:handoutMasterIdLst>
   <p:sldIdLst>
     <p:sldId id="348" r:id="rId2"/>
     <p:sldId id="360" r:id="rId3"/>
     <p:sldId id="361" r:id="rId4"/>
     <p:sldId id="362" r:id="rId5"/>
+    <p:sldId id="363" r:id="rId6"/>
   </p:sldIdLst>
   <p:sldSz cx="12192000" cy="6858000"/>
   <p:notesSz cx="6858000" cy="9144000"/>
@@ -438,7 +439,7 @@
             <a:fld id="{F8815773-C2AC-4D4C-A5CB-DE5E27F4B853}" type="datetime1">
               <a:rPr lang="de-DE" altLang="de-DE"/>
               <a:pPr/>
-              <a:t>21.01.2021</a:t>
+              <a:t>23.01.2021</a:t>
             </a:fld>
             <a:endParaRPr lang="de-DE" altLang="de-DE"/>
           </a:p>
@@ -643,7 +644,7 @@
             <a:fld id="{87C4869C-3395-4998-A6AE-0C55462BD81A}" type="datetime1">
               <a:rPr lang="de-DE" altLang="de-DE"/>
               <a:pPr/>
-              <a:t>21.01.2021</a:t>
+              <a:t>23.01.2021</a:t>
             </a:fld>
             <a:endParaRPr lang="de-DE" altLang="de-DE"/>
           </a:p>
@@ -1111,7 +1112,7 @@
           <a:p>
             <a:fld id="{CE458A8D-8D33-43C0-9B76-C9C5C5C45B16}" type="datetimeFigureOut">
               <a:rPr lang="de-DE" smtClean="0"/>
-              <a:t>21.01.2021</a:t>
+              <a:t>23.01.2021</a:t>
             </a:fld>
             <a:endParaRPr lang="de-DE"/>
           </a:p>
@@ -1311,7 +1312,7 @@
           <a:p>
             <a:fld id="{CE458A8D-8D33-43C0-9B76-C9C5C5C45B16}" type="datetimeFigureOut">
               <a:rPr lang="de-DE" smtClean="0"/>
-              <a:t>21.01.2021</a:t>
+              <a:t>23.01.2021</a:t>
             </a:fld>
             <a:endParaRPr lang="de-DE"/>
           </a:p>
@@ -1521,7 +1522,7 @@
           <a:p>
             <a:fld id="{CE458A8D-8D33-43C0-9B76-C9C5C5C45B16}" type="datetimeFigureOut">
               <a:rPr lang="de-DE" smtClean="0"/>
-              <a:t>21.01.2021</a:t>
+              <a:t>23.01.2021</a:t>
             </a:fld>
             <a:endParaRPr lang="de-DE"/>
           </a:p>
@@ -4461,7 +4462,7 @@
           <a:p>
             <a:fld id="{CE458A8D-8D33-43C0-9B76-C9C5C5C45B16}" type="datetimeFigureOut">
               <a:rPr lang="de-DE" smtClean="0"/>
-              <a:t>21.01.2021</a:t>
+              <a:t>23.01.2021</a:t>
             </a:fld>
             <a:endParaRPr lang="de-DE"/>
           </a:p>
@@ -4738,7 +4739,7 @@
           <a:p>
             <a:fld id="{CE458A8D-8D33-43C0-9B76-C9C5C5C45B16}" type="datetimeFigureOut">
               <a:rPr lang="de-DE" smtClean="0"/>
-              <a:t>21.01.2021</a:t>
+              <a:t>23.01.2021</a:t>
             </a:fld>
             <a:endParaRPr lang="de-DE"/>
           </a:p>
@@ -5005,7 +5006,7 @@
           <a:p>
             <a:fld id="{CE458A8D-8D33-43C0-9B76-C9C5C5C45B16}" type="datetimeFigureOut">
               <a:rPr lang="de-DE" smtClean="0"/>
-              <a:t>21.01.2021</a:t>
+              <a:t>23.01.2021</a:t>
             </a:fld>
             <a:endParaRPr lang="de-DE"/>
           </a:p>
@@ -5419,7 +5420,7 @@
           <a:p>
             <a:fld id="{CE458A8D-8D33-43C0-9B76-C9C5C5C45B16}" type="datetimeFigureOut">
               <a:rPr lang="de-DE" smtClean="0"/>
-              <a:t>21.01.2021</a:t>
+              <a:t>23.01.2021</a:t>
             </a:fld>
             <a:endParaRPr lang="de-DE"/>
           </a:p>
@@ -5562,7 +5563,7 @@
           <a:p>
             <a:fld id="{CE458A8D-8D33-43C0-9B76-C9C5C5C45B16}" type="datetimeFigureOut">
               <a:rPr lang="de-DE" smtClean="0"/>
-              <a:t>21.01.2021</a:t>
+              <a:t>23.01.2021</a:t>
             </a:fld>
             <a:endParaRPr lang="de-DE"/>
           </a:p>
@@ -5677,7 +5678,7 @@
           <a:p>
             <a:fld id="{CE458A8D-8D33-43C0-9B76-C9C5C5C45B16}" type="datetimeFigureOut">
               <a:rPr lang="de-DE" smtClean="0"/>
-              <a:t>21.01.2021</a:t>
+              <a:t>23.01.2021</a:t>
             </a:fld>
             <a:endParaRPr lang="de-DE"/>
           </a:p>
@@ -5990,7 +5991,7 @@
           <a:p>
             <a:fld id="{CE458A8D-8D33-43C0-9B76-C9C5C5C45B16}" type="datetimeFigureOut">
               <a:rPr lang="de-DE" smtClean="0"/>
-              <a:t>21.01.2021</a:t>
+              <a:t>23.01.2021</a:t>
             </a:fld>
             <a:endParaRPr lang="de-DE"/>
           </a:p>
@@ -6280,7 +6281,7 @@
           <a:p>
             <a:fld id="{CE458A8D-8D33-43C0-9B76-C9C5C5C45B16}" type="datetimeFigureOut">
               <a:rPr lang="de-DE" smtClean="0"/>
-              <a:t>21.01.2021</a:t>
+              <a:t>23.01.2021</a:t>
             </a:fld>
             <a:endParaRPr lang="de-DE"/>
           </a:p>
@@ -6523,7 +6524,7 @@
           <a:p>
             <a:fld id="{CE458A8D-8D33-43C0-9B76-C9C5C5C45B16}" type="datetimeFigureOut">
               <a:rPr lang="de-DE" smtClean="0"/>
-              <a:t>21.01.2021</a:t>
+              <a:t>23.01.2021</a:t>
             </a:fld>
             <a:endParaRPr lang="de-DE"/>
           </a:p>
@@ -8047,6 +8048,119 @@
     <p:extLst>
       <p:ext uri="{BB962C8B-B14F-4D97-AF65-F5344CB8AC3E}">
         <p14:creationId xmlns:p14="http://schemas.microsoft.com/office/powerpoint/2010/main" val="2991011836"/>
+      </p:ext>
+    </p:extLst>
+  </p:cSld>
+  <p:clrMapOvr>
+    <a:masterClrMapping/>
+  </p:clrMapOvr>
+</p:sld>
+</file>
+
+<file path=ppt/slides/slide5.xml><?xml version="1.0" encoding="utf-8"?>
+<p:sld xmlns:a="http://schemas.openxmlformats.org/drawingml/2006/main" xmlns:r="http://schemas.openxmlformats.org/officeDocument/2006/relationships" xmlns:p="http://schemas.openxmlformats.org/presentationml/2006/main">
+  <p:cSld>
+    <p:spTree>
+      <p:nvGrpSpPr>
+        <p:cNvPr id="1" name=""/>
+        <p:cNvGrpSpPr/>
+        <p:nvPr/>
+      </p:nvGrpSpPr>
+      <p:grpSpPr>
+        <a:xfrm>
+          <a:off x="0" y="0"/>
+          <a:ext cx="0" cy="0"/>
+          <a:chOff x="0" y="0"/>
+          <a:chExt cx="0" cy="0"/>
+        </a:xfrm>
+      </p:grpSpPr>
+      <p:sp>
+        <p:nvSpPr>
+          <p:cNvPr id="2" name="Textplatzhalter 1">
+            <a:extLst>
+              <a:ext uri="{FF2B5EF4-FFF2-40B4-BE49-F238E27FC236}">
+                <a16:creationId xmlns:a16="http://schemas.microsoft.com/office/drawing/2014/main" id="{158F221E-AF51-4E49-90A8-CF011AAF8C99}"/>
+              </a:ext>
+            </a:extLst>
+          </p:cNvPr>
+          <p:cNvSpPr>
+            <a:spLocks noGrp="1"/>
+          </p:cNvSpPr>
+          <p:nvPr>
+            <p:ph type="body" sz="quarter" idx="16"/>
+          </p:nvPr>
+        </p:nvSpPr>
+        <p:spPr/>
+        <p:txBody>
+          <a:bodyPr/>
+          <a:lstStyle/>
+          <a:p>
+            <a:r>
+              <a:rPr lang="de-DE" dirty="0"/>
+              <a:t>Fernwartungs-GUI</a:t>
+            </a:r>
+          </a:p>
+        </p:txBody>
+      </p:sp>
+      <p:sp>
+        <p:nvSpPr>
+          <p:cNvPr id="3" name="Textplatzhalter 2">
+            <a:extLst>
+              <a:ext uri="{FF2B5EF4-FFF2-40B4-BE49-F238E27FC236}">
+                <a16:creationId xmlns:a16="http://schemas.microsoft.com/office/drawing/2014/main" id="{05F02B3B-0C9D-4338-ACEC-9F9B7BAD1F95}"/>
+              </a:ext>
+            </a:extLst>
+          </p:cNvPr>
+          <p:cNvSpPr>
+            <a:spLocks noGrp="1"/>
+          </p:cNvSpPr>
+          <p:nvPr>
+            <p:ph type="body" sz="quarter" idx="20"/>
+          </p:nvPr>
+        </p:nvSpPr>
+        <p:spPr/>
+        <p:txBody>
+          <a:bodyPr/>
+          <a:lstStyle/>
+          <a:p>
+            <a:endParaRPr lang="de-DE" dirty="0"/>
+          </a:p>
+        </p:txBody>
+      </p:sp>
+      <p:sp>
+        <p:nvSpPr>
+          <p:cNvPr id="4" name="Foliennummernplatzhalter 3">
+            <a:extLst>
+              <a:ext uri="{FF2B5EF4-FFF2-40B4-BE49-F238E27FC236}">
+                <a16:creationId xmlns:a16="http://schemas.microsoft.com/office/drawing/2014/main" id="{D401F696-AA84-46A0-8A98-FC94F99B29F7}"/>
+              </a:ext>
+            </a:extLst>
+          </p:cNvPr>
+          <p:cNvSpPr>
+            <a:spLocks noGrp="1"/>
+          </p:cNvSpPr>
+          <p:nvPr>
+            <p:ph type="sldNum" sz="quarter" idx="21"/>
+          </p:nvPr>
+        </p:nvSpPr>
+        <p:spPr/>
+        <p:txBody>
+          <a:bodyPr/>
+          <a:lstStyle/>
+          <a:p>
+            <a:fld id="{BD63572F-0786-4616-8901-689DCAD05BEF}" type="slidenum">
+              <a:rPr lang="de-DE" altLang="de-DE" smtClean="0"/>
+              <a:pPr/>
+              <a:t>4</a:t>
+            </a:fld>
+            <a:endParaRPr lang="de-DE" altLang="de-DE" dirty="0"/>
+          </a:p>
+        </p:txBody>
+      </p:sp>
+    </p:spTree>
+    <p:extLst>
+      <p:ext uri="{BB962C8B-B14F-4D97-AF65-F5344CB8AC3E}">
+        <p14:creationId xmlns:p14="http://schemas.microsoft.com/office/powerpoint/2010/main" val="3205544641"/>
       </p:ext>
     </p:extLst>
   </p:cSld>
